--- a/clases/Tema I - Introducción a la Estadística.pptx
+++ b/clases/Tema I - Introducción a la Estadística.pptx
@@ -178,7 +178,7 @@
 <file path=ppt/revisionInfo.xml><?xml version="1.0" encoding="utf-8"?>
 <p1510:revInfo xmlns:a="http://schemas.openxmlformats.org/drawingml/2006/main" xmlns:r="http://schemas.openxmlformats.org/officeDocument/2006/relationships" xmlns:p1510="http://schemas.microsoft.com/office/powerpoint/2015/10/main">
   <p1510:revLst>
-    <p1510:client id="{04866556-04BE-43D2-BF56-318E0437A68B}" v="26" dt="2023-08-07T13:45:09.084"/>
+    <p1510:client id="{B5BA73DB-B482-47D3-84FA-28D24354212A}" v="15" dt="2025-08-12T14:57:59.165"/>
   </p1510:revLst>
 </p1510:revInfo>
 </file>
@@ -198,14 +198,6 @@
           <pc:docMk/>
           <pc:sldMk cId="518660928" sldId="292"/>
         </pc:sldMkLst>
-        <pc:spChg chg="mod">
-          <ac:chgData name="edlin guerra" userId="d52177a9150211f7" providerId="LiveId" clId="{609AC573-2079-426E-820E-D0CDE5BCEA0E}" dt="2022-08-03T20:54:10.958" v="7" actId="20577"/>
-          <ac:spMkLst>
-            <pc:docMk/>
-            <pc:sldMk cId="518660928" sldId="292"/>
-            <ac:spMk id="5" creationId="{F437E857-4D77-4FAA-AD0C-87AC66D53386}"/>
-          </ac:spMkLst>
-        </pc:spChg>
       </pc:sldChg>
       <pc:sldChg chg="delSp modSp mod">
         <pc:chgData name="edlin guerra" userId="d52177a9150211f7" providerId="LiveId" clId="{609AC573-2079-426E-820E-D0CDE5BCEA0E}" dt="2022-08-03T20:54:37.120" v="20" actId="478"/>
@@ -213,22 +205,30 @@
           <pc:docMk/>
           <pc:sldMk cId="0" sldId="421"/>
         </pc:sldMkLst>
+      </pc:sldChg>
+    </pc:docChg>
+  </pc:docChgLst>
+  <pc:docChgLst>
+    <pc:chgData name="edlin guerra" userId="d52177a9150211f7" providerId="LiveId" clId="{B5BA73DB-B482-47D3-84FA-28D24354212A}"/>
+    <pc:docChg chg="modSld">
+      <pc:chgData name="edlin guerra" userId="d52177a9150211f7" providerId="LiveId" clId="{B5BA73DB-B482-47D3-84FA-28D24354212A}" dt="2025-08-12T14:57:59.165" v="14" actId="20577"/>
+      <pc:docMkLst>
+        <pc:docMk/>
+      </pc:docMkLst>
+      <pc:sldChg chg="modSp">
+        <pc:chgData name="edlin guerra" userId="d52177a9150211f7" providerId="LiveId" clId="{B5BA73DB-B482-47D3-84FA-28D24354212A}" dt="2025-08-12T14:57:59.165" v="14" actId="20577"/>
+        <pc:sldMkLst>
+          <pc:docMk/>
+          <pc:sldMk cId="0" sldId="259"/>
+        </pc:sldMkLst>
         <pc:spChg chg="mod">
-          <ac:chgData name="edlin guerra" userId="d52177a9150211f7" providerId="LiveId" clId="{609AC573-2079-426E-820E-D0CDE5BCEA0E}" dt="2022-08-03T20:54:31.175" v="19" actId="20577"/>
+          <ac:chgData name="edlin guerra" userId="d52177a9150211f7" providerId="LiveId" clId="{B5BA73DB-B482-47D3-84FA-28D24354212A}" dt="2025-08-12T14:57:59.165" v="14" actId="20577"/>
           <ac:spMkLst>
             <pc:docMk/>
-            <pc:sldMk cId="0" sldId="421"/>
-            <ac:spMk id="5" creationId="{00000000-0000-0000-0000-000000000000}"/>
+            <pc:sldMk cId="0" sldId="259"/>
+            <ac:spMk id="19463" creationId="{00000000-0000-0000-0000-000000000000}"/>
           </ac:spMkLst>
         </pc:spChg>
-        <pc:picChg chg="del">
-          <ac:chgData name="edlin guerra" userId="d52177a9150211f7" providerId="LiveId" clId="{609AC573-2079-426E-820E-D0CDE5BCEA0E}" dt="2022-08-03T20:54:37.120" v="20" actId="478"/>
-          <ac:picMkLst>
-            <pc:docMk/>
-            <pc:sldMk cId="0" sldId="421"/>
-            <ac:picMk id="4" creationId="{84B9F76C-14B1-4B3F-A6EB-15114DEA143E}"/>
-          </ac:picMkLst>
-        </pc:picChg>
       </pc:sldChg>
     </pc:docChg>
   </pc:docChgLst>
@@ -245,14 +245,6 @@
           <pc:docMk/>
           <pc:sldMk cId="0" sldId="266"/>
         </pc:sldMkLst>
-        <pc:spChg chg="mod">
-          <ac:chgData name="edlin guerra" userId="d52177a9150211f7" providerId="LiveId" clId="{04866556-04BE-43D2-BF56-318E0437A68B}" dt="2023-08-07T13:45:20.804" v="26" actId="1076"/>
-          <ac:spMkLst>
-            <pc:docMk/>
-            <pc:sldMk cId="0" sldId="266"/>
-            <ac:spMk id="17" creationId="{00000000-0000-0000-0000-000000000000}"/>
-          </ac:spMkLst>
-        </pc:spChg>
       </pc:sldChg>
       <pc:sldChg chg="modSp mod">
         <pc:chgData name="edlin guerra" userId="d52177a9150211f7" providerId="LiveId" clId="{04866556-04BE-43D2-BF56-318E0437A68B}" dt="2023-08-07T13:45:46.519" v="44" actId="20577"/>
@@ -260,14 +252,6 @@
           <pc:docMk/>
           <pc:sldMk cId="0" sldId="422"/>
         </pc:sldMkLst>
-        <pc:spChg chg="mod">
-          <ac:chgData name="edlin guerra" userId="d52177a9150211f7" providerId="LiveId" clId="{04866556-04BE-43D2-BF56-318E0437A68B}" dt="2023-08-07T13:45:46.519" v="44" actId="20577"/>
-          <ac:spMkLst>
-            <pc:docMk/>
-            <pc:sldMk cId="0" sldId="422"/>
-            <ac:spMk id="4" creationId="{00000000-0000-0000-0000-000000000000}"/>
-          </ac:spMkLst>
-        </pc:spChg>
       </pc:sldChg>
     </pc:docChg>
   </pc:docChgLst>
@@ -284,14 +268,6 @@
           <pc:docMk/>
           <pc:sldMk cId="0" sldId="263"/>
         </pc:sldMkLst>
-        <pc:spChg chg="mod">
-          <ac:chgData name="edlin guerra" userId="d52177a9150211f7" providerId="LiveId" clId="{0123BFD7-DFEB-4908-84FE-D3F38B24B8A2}" dt="2020-09-19T21:29:05.926" v="1077" actId="6549"/>
-          <ac:spMkLst>
-            <pc:docMk/>
-            <pc:sldMk cId="0" sldId="263"/>
-            <ac:spMk id="8" creationId="{00000000-0000-0000-0000-000000000000}"/>
-          </ac:spMkLst>
-        </pc:spChg>
       </pc:sldChg>
       <pc:sldChg chg="del">
         <pc:chgData name="edlin guerra" userId="d52177a9150211f7" providerId="LiveId" clId="{0123BFD7-DFEB-4908-84FE-D3F38B24B8A2}" dt="2020-09-19T21:56:20.292" v="1403" actId="47"/>
@@ -306,22 +282,6 @@
           <pc:docMk/>
           <pc:sldMk cId="0" sldId="266"/>
         </pc:sldMkLst>
-        <pc:spChg chg="mod">
-          <ac:chgData name="edlin guerra" userId="d52177a9150211f7" providerId="LiveId" clId="{0123BFD7-DFEB-4908-84FE-D3F38B24B8A2}" dt="2020-09-19T21:29:25.954" v="1079" actId="14100"/>
-          <ac:spMkLst>
-            <pc:docMk/>
-            <pc:sldMk cId="0" sldId="266"/>
-            <ac:spMk id="17" creationId="{00000000-0000-0000-0000-000000000000}"/>
-          </ac:spMkLst>
-        </pc:spChg>
-        <pc:spChg chg="mod">
-          <ac:chgData name="edlin guerra" userId="d52177a9150211f7" providerId="LiveId" clId="{0123BFD7-DFEB-4908-84FE-D3F38B24B8A2}" dt="2020-09-19T21:27:16.644" v="1076" actId="20577"/>
-          <ac:spMkLst>
-            <pc:docMk/>
-            <pc:sldMk cId="0" sldId="266"/>
-            <ac:spMk id="19" creationId="{00000000-0000-0000-0000-000000000000}"/>
-          </ac:spMkLst>
-        </pc:spChg>
       </pc:sldChg>
       <pc:sldChg chg="modSp mod">
         <pc:chgData name="edlin guerra" userId="d52177a9150211f7" providerId="LiveId" clId="{0123BFD7-DFEB-4908-84FE-D3F38B24B8A2}" dt="2020-09-19T20:15:55.571" v="11" actId="20577"/>
@@ -329,14 +289,6 @@
           <pc:docMk/>
           <pc:sldMk cId="518660928" sldId="292"/>
         </pc:sldMkLst>
-        <pc:spChg chg="mod">
-          <ac:chgData name="edlin guerra" userId="d52177a9150211f7" providerId="LiveId" clId="{0123BFD7-DFEB-4908-84FE-D3F38B24B8A2}" dt="2020-09-19T20:15:55.571" v="11" actId="20577"/>
-          <ac:spMkLst>
-            <pc:docMk/>
-            <pc:sldMk cId="518660928" sldId="292"/>
-            <ac:spMk id="5" creationId="{F437E857-4D77-4FAA-AD0C-87AC66D53386}"/>
-          </ac:spMkLst>
-        </pc:spChg>
       </pc:sldChg>
       <pc:sldChg chg="del">
         <pc:chgData name="edlin guerra" userId="d52177a9150211f7" providerId="LiveId" clId="{0123BFD7-DFEB-4908-84FE-D3F38B24B8A2}" dt="2020-09-19T21:56:20.292" v="1403" actId="47"/>
@@ -358,142 +310,6 @@
           <pc:docMk/>
           <pc:sldMk cId="0" sldId="420"/>
         </pc:sldMkLst>
-        <pc:spChg chg="add del mod">
-          <ac:chgData name="edlin guerra" userId="d52177a9150211f7" providerId="LiveId" clId="{0123BFD7-DFEB-4908-84FE-D3F38B24B8A2}" dt="2020-09-19T20:20:58.748" v="82" actId="478"/>
-          <ac:spMkLst>
-            <pc:docMk/>
-            <pc:sldMk cId="0" sldId="420"/>
-            <ac:spMk id="7" creationId="{9559F891-2D94-4AB7-8860-A937574181D6}"/>
-          </ac:spMkLst>
-        </pc:spChg>
-        <pc:spChg chg="add del mod">
-          <ac:chgData name="edlin guerra" userId="d52177a9150211f7" providerId="LiveId" clId="{0123BFD7-DFEB-4908-84FE-D3F38B24B8A2}" dt="2020-09-19T20:22:07.106" v="89" actId="478"/>
-          <ac:spMkLst>
-            <pc:docMk/>
-            <pc:sldMk cId="0" sldId="420"/>
-            <ac:spMk id="14" creationId="{4794DF42-B928-4570-9652-C1B6D916A78D}"/>
-          </ac:spMkLst>
-        </pc:spChg>
-        <pc:spChg chg="add del mod">
-          <ac:chgData name="edlin guerra" userId="d52177a9150211f7" providerId="LiveId" clId="{0123BFD7-DFEB-4908-84FE-D3F38B24B8A2}" dt="2020-09-19T20:23:12.333" v="99" actId="478"/>
-          <ac:spMkLst>
-            <pc:docMk/>
-            <pc:sldMk cId="0" sldId="420"/>
-            <ac:spMk id="17" creationId="{B72B0508-55BF-4BC4-AC4A-C0F45B52898C}"/>
-          </ac:spMkLst>
-        </pc:spChg>
-        <pc:spChg chg="add del mod">
-          <ac:chgData name="edlin guerra" userId="d52177a9150211f7" providerId="LiveId" clId="{0123BFD7-DFEB-4908-84FE-D3F38B24B8A2}" dt="2020-09-19T20:23:48.614" v="106" actId="478"/>
-          <ac:spMkLst>
-            <pc:docMk/>
-            <pc:sldMk cId="0" sldId="420"/>
-            <ac:spMk id="20" creationId="{D0CDF98F-263C-46CB-A80C-8140DB779A04}"/>
-          </ac:spMkLst>
-        </pc:spChg>
-        <pc:spChg chg="mod">
-          <ac:chgData name="edlin guerra" userId="d52177a9150211f7" providerId="LiveId" clId="{0123BFD7-DFEB-4908-84FE-D3F38B24B8A2}" dt="2020-09-19T20:26:26.321" v="204"/>
-          <ac:spMkLst>
-            <pc:docMk/>
-            <pc:sldMk cId="0" sldId="420"/>
-            <ac:spMk id="5123" creationId="{00000000-0000-0000-0000-000000000000}"/>
-          </ac:spMkLst>
-        </pc:spChg>
-        <pc:spChg chg="mod">
-          <ac:chgData name="edlin guerra" userId="d52177a9150211f7" providerId="LiveId" clId="{0123BFD7-DFEB-4908-84FE-D3F38B24B8A2}" dt="2020-09-19T20:47:45.108" v="212" actId="20577"/>
-          <ac:spMkLst>
-            <pc:docMk/>
-            <pc:sldMk cId="0" sldId="420"/>
-            <ac:spMk id="5128" creationId="{00000000-0000-0000-0000-000000000000}"/>
-          </ac:spMkLst>
-        </pc:spChg>
-        <pc:grpChg chg="del">
-          <ac:chgData name="edlin guerra" userId="d52177a9150211f7" providerId="LiveId" clId="{0123BFD7-DFEB-4908-84FE-D3F38B24B8A2}" dt="2020-09-19T20:19:42.874" v="62" actId="165"/>
-          <ac:grpSpMkLst>
-            <pc:docMk/>
-            <pc:sldMk cId="0" sldId="420"/>
-            <ac:grpSpMk id="2" creationId="{00000000-0000-0000-0000-000000000000}"/>
-          </ac:grpSpMkLst>
-        </pc:grpChg>
-        <pc:picChg chg="add mod">
-          <ac:chgData name="edlin guerra" userId="d52177a9150211f7" providerId="LiveId" clId="{0123BFD7-DFEB-4908-84FE-D3F38B24B8A2}" dt="2020-09-19T20:19:57.158" v="70" actId="1076"/>
-          <ac:picMkLst>
-            <pc:docMk/>
-            <pc:sldMk cId="0" sldId="420"/>
-            <ac:picMk id="3" creationId="{0C03C5CC-3E68-4E68-977E-E05BCAE57FD9}"/>
-          </ac:picMkLst>
-        </pc:picChg>
-        <pc:picChg chg="add mod">
-          <ac:chgData name="edlin guerra" userId="d52177a9150211f7" providerId="LiveId" clId="{0123BFD7-DFEB-4908-84FE-D3F38B24B8A2}" dt="2020-09-19T20:20:10.455" v="76" actId="14100"/>
-          <ac:picMkLst>
-            <pc:docMk/>
-            <pc:sldMk cId="0" sldId="420"/>
-            <ac:picMk id="4" creationId="{5D6F6A2C-E9F3-4B3A-981F-F9CA3C077B02}"/>
-          </ac:picMkLst>
-        </pc:picChg>
-        <pc:picChg chg="add mod">
-          <ac:chgData name="edlin guerra" userId="d52177a9150211f7" providerId="LiveId" clId="{0123BFD7-DFEB-4908-84FE-D3F38B24B8A2}" dt="2020-09-19T20:22:25.143" v="95" actId="14100"/>
-          <ac:picMkLst>
-            <pc:docMk/>
-            <pc:sldMk cId="0" sldId="420"/>
-            <ac:picMk id="6" creationId="{ACCC5365-0D99-4365-B33C-255D2A70E724}"/>
-          </ac:picMkLst>
-        </pc:picChg>
-        <pc:picChg chg="mod topLvl">
-          <ac:chgData name="edlin guerra" userId="d52177a9150211f7" providerId="LiveId" clId="{0123BFD7-DFEB-4908-84FE-D3F38B24B8A2}" dt="2020-09-19T20:20:03.775" v="73" actId="1076"/>
-          <ac:picMkLst>
-            <pc:docMk/>
-            <pc:sldMk cId="0" sldId="420"/>
-            <ac:picMk id="9" creationId="{00000000-0000-0000-0000-000000000000}"/>
-          </ac:picMkLst>
-        </pc:picChg>
-        <pc:picChg chg="del mod topLvl">
-          <ac:chgData name="edlin guerra" userId="d52177a9150211f7" providerId="LiveId" clId="{0123BFD7-DFEB-4908-84FE-D3F38B24B8A2}" dt="2020-09-19T20:20:05.207" v="74" actId="478"/>
-          <ac:picMkLst>
-            <pc:docMk/>
-            <pc:sldMk cId="0" sldId="420"/>
-            <ac:picMk id="10" creationId="{00000000-0000-0000-0000-000000000000}"/>
-          </ac:picMkLst>
-        </pc:picChg>
-        <pc:picChg chg="add mod modCrop">
-          <ac:chgData name="edlin guerra" userId="d52177a9150211f7" providerId="LiveId" clId="{0123BFD7-DFEB-4908-84FE-D3F38B24B8A2}" dt="2020-09-19T20:23:58.661" v="108" actId="732"/>
-          <ac:picMkLst>
-            <pc:docMk/>
-            <pc:sldMk cId="0" sldId="420"/>
-            <ac:picMk id="13" creationId="{8A21D137-C9F8-4AA2-8C1E-FB63665ECE69}"/>
-          </ac:picMkLst>
-        </pc:picChg>
-        <pc:picChg chg="add del mod">
-          <ac:chgData name="edlin guerra" userId="d52177a9150211f7" providerId="LiveId" clId="{0123BFD7-DFEB-4908-84FE-D3F38B24B8A2}" dt="2020-09-19T20:23:13.823" v="100" actId="478"/>
-          <ac:picMkLst>
-            <pc:docMk/>
-            <pc:sldMk cId="0" sldId="420"/>
-            <ac:picMk id="16" creationId="{436530BF-F2BD-4B0D-A4B2-8811943F2D4B}"/>
-          </ac:picMkLst>
-        </pc:picChg>
-        <pc:picChg chg="add mod">
-          <ac:chgData name="edlin guerra" userId="d52177a9150211f7" providerId="LiveId" clId="{0123BFD7-DFEB-4908-84FE-D3F38B24B8A2}" dt="2020-09-19T20:23:51.470" v="107" actId="14100"/>
-          <ac:picMkLst>
-            <pc:docMk/>
-            <pc:sldMk cId="0" sldId="420"/>
-            <ac:picMk id="19" creationId="{C86D1448-C63F-485A-868B-E9FF4518E2BF}"/>
-          </ac:picMkLst>
-        </pc:picChg>
-        <pc:picChg chg="del mod topLvl">
-          <ac:chgData name="edlin guerra" userId="d52177a9150211f7" providerId="LiveId" clId="{0123BFD7-DFEB-4908-84FE-D3F38B24B8A2}" dt="2020-09-19T20:19:45.480" v="64" actId="478"/>
-          <ac:picMkLst>
-            <pc:docMk/>
-            <pc:sldMk cId="0" sldId="420"/>
-            <ac:picMk id="5124" creationId="{00000000-0000-0000-0000-000000000000}"/>
-          </ac:picMkLst>
-        </pc:picChg>
-        <pc:picChg chg="del mod topLvl">
-          <ac:chgData name="edlin guerra" userId="d52177a9150211f7" providerId="LiveId" clId="{0123BFD7-DFEB-4908-84FE-D3F38B24B8A2}" dt="2020-09-19T20:19:44.824" v="63" actId="478"/>
-          <ac:picMkLst>
-            <pc:docMk/>
-            <pc:sldMk cId="0" sldId="420"/>
-            <ac:picMk id="5125" creationId="{00000000-0000-0000-0000-000000000000}"/>
-          </ac:picMkLst>
-        </pc:picChg>
       </pc:sldChg>
       <pc:sldChg chg="addSp delSp modSp mod">
         <pc:chgData name="edlin guerra" userId="d52177a9150211f7" providerId="LiveId" clId="{0123BFD7-DFEB-4908-84FE-D3F38B24B8A2}" dt="2020-09-19T20:26:11.677" v="202" actId="1076"/>
@@ -501,70 +317,6 @@
           <pc:docMk/>
           <pc:sldMk cId="0" sldId="421"/>
         </pc:sldMkLst>
-        <pc:spChg chg="mod">
-          <ac:chgData name="edlin guerra" userId="d52177a9150211f7" providerId="LiveId" clId="{0123BFD7-DFEB-4908-84FE-D3F38B24B8A2}" dt="2020-09-19T20:25:59.847" v="198" actId="14100"/>
-          <ac:spMkLst>
-            <pc:docMk/>
-            <pc:sldMk cId="0" sldId="421"/>
-            <ac:spMk id="5" creationId="{00000000-0000-0000-0000-000000000000}"/>
-          </ac:spMkLst>
-        </pc:spChg>
-        <pc:spChg chg="add del mod">
-          <ac:chgData name="edlin guerra" userId="d52177a9150211f7" providerId="LiveId" clId="{0123BFD7-DFEB-4908-84FE-D3F38B24B8A2}" dt="2020-09-19T20:17:14.133" v="36" actId="478"/>
-          <ac:spMkLst>
-            <pc:docMk/>
-            <pc:sldMk cId="0" sldId="421"/>
-            <ac:spMk id="6" creationId="{9F2BBB15-56BF-41BB-8796-F386D3A59B81}"/>
-          </ac:spMkLst>
-        </pc:spChg>
-        <pc:spChg chg="add del mod">
-          <ac:chgData name="edlin guerra" userId="d52177a9150211f7" providerId="LiveId" clId="{0123BFD7-DFEB-4908-84FE-D3F38B24B8A2}" dt="2020-09-19T20:18:04.721" v="42" actId="478"/>
-          <ac:spMkLst>
-            <pc:docMk/>
-            <pc:sldMk cId="0" sldId="421"/>
-            <ac:spMk id="9" creationId="{BF74BE58-DA2C-4F09-B209-7F17228D9B0D}"/>
-          </ac:spMkLst>
-        </pc:spChg>
-        <pc:spChg chg="add del mod">
-          <ac:chgData name="edlin guerra" userId="d52177a9150211f7" providerId="LiveId" clId="{0123BFD7-DFEB-4908-84FE-D3F38B24B8A2}" dt="2020-09-19T20:19:00.336" v="54" actId="478"/>
-          <ac:spMkLst>
-            <pc:docMk/>
-            <pc:sldMk cId="0" sldId="421"/>
-            <ac:spMk id="12" creationId="{29071778-2414-4C16-BA0B-2F4F7AA30C1D}"/>
-          </ac:spMkLst>
-        </pc:spChg>
-        <pc:picChg chg="mod">
-          <ac:chgData name="edlin guerra" userId="d52177a9150211f7" providerId="LiveId" clId="{0123BFD7-DFEB-4908-84FE-D3F38B24B8A2}" dt="2020-09-19T20:26:04.382" v="201" actId="1076"/>
-          <ac:picMkLst>
-            <pc:docMk/>
-            <pc:sldMk cId="0" sldId="421"/>
-            <ac:picMk id="3" creationId="{00000000-0000-0000-0000-000000000000}"/>
-          </ac:picMkLst>
-        </pc:picChg>
-        <pc:picChg chg="add mod">
-          <ac:chgData name="edlin guerra" userId="d52177a9150211f7" providerId="LiveId" clId="{0123BFD7-DFEB-4908-84FE-D3F38B24B8A2}" dt="2020-09-19T20:26:11.677" v="202" actId="1076"/>
-          <ac:picMkLst>
-            <pc:docMk/>
-            <pc:sldMk cId="0" sldId="421"/>
-            <ac:picMk id="4" creationId="{84B9F76C-14B1-4B3F-A6EB-15114DEA143E}"/>
-          </ac:picMkLst>
-        </pc:picChg>
-        <pc:picChg chg="add del mod">
-          <ac:chgData name="edlin guerra" userId="d52177a9150211f7" providerId="LiveId" clId="{0123BFD7-DFEB-4908-84FE-D3F38B24B8A2}" dt="2020-09-19T20:19:36.817" v="61" actId="21"/>
-          <ac:picMkLst>
-            <pc:docMk/>
-            <pc:sldMk cId="0" sldId="421"/>
-            <ac:picMk id="8" creationId="{4AC67653-B34F-4B83-A368-025DE4DD0843}"/>
-          </ac:picMkLst>
-        </pc:picChg>
-        <pc:picChg chg="add del mod">
-          <ac:chgData name="edlin guerra" userId="d52177a9150211f7" providerId="LiveId" clId="{0123BFD7-DFEB-4908-84FE-D3F38B24B8A2}" dt="2020-09-19T20:19:36.817" v="61" actId="21"/>
-          <ac:picMkLst>
-            <pc:docMk/>
-            <pc:sldMk cId="0" sldId="421"/>
-            <ac:picMk id="11" creationId="{7D399923-E0A4-490E-A097-742F08AC02FC}"/>
-          </ac:picMkLst>
-        </pc:picChg>
       </pc:sldChg>
       <pc:sldChg chg="modSp mod">
         <pc:chgData name="edlin guerra" userId="d52177a9150211f7" providerId="LiveId" clId="{0123BFD7-DFEB-4908-84FE-D3F38B24B8A2}" dt="2020-09-19T20:55:16.201" v="427" actId="20577"/>
@@ -572,14 +324,6 @@
           <pc:docMk/>
           <pc:sldMk cId="0" sldId="422"/>
         </pc:sldMkLst>
-        <pc:spChg chg="mod">
-          <ac:chgData name="edlin guerra" userId="d52177a9150211f7" providerId="LiveId" clId="{0123BFD7-DFEB-4908-84FE-D3F38B24B8A2}" dt="2020-09-19T20:55:16.201" v="427" actId="20577"/>
-          <ac:spMkLst>
-            <pc:docMk/>
-            <pc:sldMk cId="0" sldId="422"/>
-            <ac:spMk id="4" creationId="{00000000-0000-0000-0000-000000000000}"/>
-          </ac:spMkLst>
-        </pc:spChg>
       </pc:sldChg>
       <pc:sldChg chg="modSp mod">
         <pc:chgData name="edlin guerra" userId="d52177a9150211f7" providerId="LiveId" clId="{0123BFD7-DFEB-4908-84FE-D3F38B24B8A2}" dt="2020-09-19T21:16:36.383" v="569" actId="114"/>
@@ -587,14 +331,6 @@
           <pc:docMk/>
           <pc:sldMk cId="0" sldId="423"/>
         </pc:sldMkLst>
-        <pc:spChg chg="mod">
-          <ac:chgData name="edlin guerra" userId="d52177a9150211f7" providerId="LiveId" clId="{0123BFD7-DFEB-4908-84FE-D3F38B24B8A2}" dt="2020-09-19T21:16:36.383" v="569" actId="114"/>
-          <ac:spMkLst>
-            <pc:docMk/>
-            <pc:sldMk cId="0" sldId="423"/>
-            <ac:spMk id="10243" creationId="{00000000-0000-0000-0000-000000000000}"/>
-          </ac:spMkLst>
-        </pc:spChg>
       </pc:sldChg>
       <pc:sldChg chg="modSp mod">
         <pc:chgData name="edlin guerra" userId="d52177a9150211f7" providerId="LiveId" clId="{0123BFD7-DFEB-4908-84FE-D3F38B24B8A2}" dt="2020-09-19T21:16:50.498" v="580" actId="20577"/>
@@ -602,14 +338,6 @@
           <pc:docMk/>
           <pc:sldMk cId="0" sldId="424"/>
         </pc:sldMkLst>
-        <pc:spChg chg="mod">
-          <ac:chgData name="edlin guerra" userId="d52177a9150211f7" providerId="LiveId" clId="{0123BFD7-DFEB-4908-84FE-D3F38B24B8A2}" dt="2020-09-19T21:16:50.498" v="580" actId="20577"/>
-          <ac:spMkLst>
-            <pc:docMk/>
-            <pc:sldMk cId="0" sldId="424"/>
-            <ac:spMk id="11270" creationId="{00000000-0000-0000-0000-000000000000}"/>
-          </ac:spMkLst>
-        </pc:spChg>
       </pc:sldChg>
       <pc:sldChg chg="modSp mod">
         <pc:chgData name="edlin guerra" userId="d52177a9150211f7" providerId="LiveId" clId="{0123BFD7-DFEB-4908-84FE-D3F38B24B8A2}" dt="2020-09-19T21:32:50.263" v="1391" actId="20577"/>
@@ -617,22 +345,6 @@
           <pc:docMk/>
           <pc:sldMk cId="0" sldId="426"/>
         </pc:sldMkLst>
-        <pc:spChg chg="mod">
-          <ac:chgData name="edlin guerra" userId="d52177a9150211f7" providerId="LiveId" clId="{0123BFD7-DFEB-4908-84FE-D3F38B24B8A2}" dt="2020-09-19T21:31:49.404" v="1264" actId="313"/>
-          <ac:spMkLst>
-            <pc:docMk/>
-            <pc:sldMk cId="0" sldId="426"/>
-            <ac:spMk id="13317" creationId="{00000000-0000-0000-0000-000000000000}"/>
-          </ac:spMkLst>
-        </pc:spChg>
-        <pc:spChg chg="mod">
-          <ac:chgData name="edlin guerra" userId="d52177a9150211f7" providerId="LiveId" clId="{0123BFD7-DFEB-4908-84FE-D3F38B24B8A2}" dt="2020-09-19T21:32:50.263" v="1391" actId="20577"/>
-          <ac:spMkLst>
-            <pc:docMk/>
-            <pc:sldMk cId="0" sldId="426"/>
-            <ac:spMk id="13319" creationId="{00000000-0000-0000-0000-000000000000}"/>
-          </ac:spMkLst>
-        </pc:spChg>
       </pc:sldChg>
       <pc:sldChg chg="modSp mod">
         <pc:chgData name="edlin guerra" userId="d52177a9150211f7" providerId="LiveId" clId="{0123BFD7-DFEB-4908-84FE-D3F38B24B8A2}" dt="2020-09-19T21:35:47.023" v="1400" actId="6549"/>
@@ -640,14 +352,6 @@
           <pc:docMk/>
           <pc:sldMk cId="0" sldId="428"/>
         </pc:sldMkLst>
-        <pc:spChg chg="mod">
-          <ac:chgData name="edlin guerra" userId="d52177a9150211f7" providerId="LiveId" clId="{0123BFD7-DFEB-4908-84FE-D3F38B24B8A2}" dt="2020-09-19T21:35:47.023" v="1400" actId="6549"/>
-          <ac:spMkLst>
-            <pc:docMk/>
-            <pc:sldMk cId="0" sldId="428"/>
-            <ac:spMk id="15364" creationId="{00000000-0000-0000-0000-000000000000}"/>
-          </ac:spMkLst>
-        </pc:spChg>
       </pc:sldChg>
       <pc:sldChg chg="modSp del mod">
         <pc:chgData name="edlin guerra" userId="d52177a9150211f7" providerId="LiveId" clId="{0123BFD7-DFEB-4908-84FE-D3F38B24B8A2}" dt="2020-09-19T21:56:20.292" v="1403" actId="47"/>
@@ -655,14 +359,6 @@
           <pc:docMk/>
           <pc:sldMk cId="0" sldId="429"/>
         </pc:sldMkLst>
-        <pc:spChg chg="mod">
-          <ac:chgData name="edlin guerra" userId="d52177a9150211f7" providerId="LiveId" clId="{0123BFD7-DFEB-4908-84FE-D3F38B24B8A2}" dt="2020-09-19T21:35:57.905" v="1401" actId="1076"/>
-          <ac:spMkLst>
-            <pc:docMk/>
-            <pc:sldMk cId="0" sldId="429"/>
-            <ac:spMk id="16388" creationId="{00000000-0000-0000-0000-000000000000}"/>
-          </ac:spMkLst>
-        </pc:spChg>
       </pc:sldChg>
       <pc:sldChg chg="del">
         <pc:chgData name="edlin guerra" userId="d52177a9150211f7" providerId="LiveId" clId="{0123BFD7-DFEB-4908-84FE-D3F38B24B8A2}" dt="2020-09-19T21:56:20.292" v="1403" actId="47"/>
@@ -4212,7 +3908,7 @@
               <a:pPr>
                 <a:defRPr/>
               </a:pPr>
-              <a:t>07/08/2023</a:t>
+              <a:t>11/08/2025</a:t>
             </a:fld>
             <a:endParaRPr lang="es-MX"/>
           </a:p>
@@ -4523,6 +4219,96 @@
 </file>
 
 <file path=ppt/notesSlides/notesSlide1.xml><?xml version="1.0" encoding="utf-8"?>
+<p:notes xmlns:a="http://schemas.openxmlformats.org/drawingml/2006/main" xmlns:r="http://schemas.openxmlformats.org/officeDocument/2006/relationships" xmlns:p="http://schemas.openxmlformats.org/presentationml/2006/main">
+  <p:cSld>
+    <p:spTree>
+      <p:nvGrpSpPr>
+        <p:cNvPr id="1" name=""/>
+        <p:cNvGrpSpPr/>
+        <p:nvPr/>
+      </p:nvGrpSpPr>
+      <p:grpSpPr>
+        <a:xfrm>
+          <a:off x="0" y="0"/>
+          <a:ext cx="0" cy="0"/>
+          <a:chOff x="0" y="0"/>
+          <a:chExt cx="0" cy="0"/>
+        </a:xfrm>
+      </p:grpSpPr>
+      <p:sp>
+        <p:nvSpPr>
+          <p:cNvPr id="2" name="Marcador de imagen de diapositiva 1"/>
+          <p:cNvSpPr>
+            <a:spLocks noGrp="1" noRot="1" noChangeAspect="1"/>
+          </p:cNvSpPr>
+          <p:nvPr>
+            <p:ph type="sldImg"/>
+          </p:nvPr>
+        </p:nvSpPr>
+        <p:spPr/>
+      </p:sp>
+      <p:sp>
+        <p:nvSpPr>
+          <p:cNvPr id="3" name="Marcador de notas 2"/>
+          <p:cNvSpPr>
+            <a:spLocks noGrp="1"/>
+          </p:cNvSpPr>
+          <p:nvPr>
+            <p:ph type="body" idx="1"/>
+          </p:nvPr>
+        </p:nvSpPr>
+        <p:spPr/>
+        <p:txBody>
+          <a:bodyPr/>
+          <a:lstStyle/>
+          <a:p>
+            <a:endParaRPr lang="es-MX" dirty="0"/>
+          </a:p>
+        </p:txBody>
+      </p:sp>
+      <p:sp>
+        <p:nvSpPr>
+          <p:cNvPr id="4" name="Marcador de número de diapositiva 3"/>
+          <p:cNvSpPr>
+            <a:spLocks noGrp="1"/>
+          </p:cNvSpPr>
+          <p:nvPr>
+            <p:ph type="sldNum" sz="quarter" idx="5"/>
+          </p:nvPr>
+        </p:nvSpPr>
+        <p:spPr/>
+        <p:txBody>
+          <a:bodyPr/>
+          <a:lstStyle/>
+          <a:p>
+            <a:pPr>
+              <a:defRPr/>
+            </a:pPr>
+            <a:fld id="{19F1B16E-0271-4A7A-91DD-135CB343A050}" type="slidenum">
+              <a:rPr lang="es-MX" smtClean="0"/>
+              <a:pPr>
+                <a:defRPr/>
+              </a:pPr>
+              <a:t>8</a:t>
+            </a:fld>
+            <a:endParaRPr lang="es-MX"/>
+          </a:p>
+        </p:txBody>
+      </p:sp>
+    </p:spTree>
+    <p:extLst>
+      <p:ext uri="{BB962C8B-B14F-4D97-AF65-F5344CB8AC3E}">
+        <p14:creationId xmlns:p14="http://schemas.microsoft.com/office/powerpoint/2010/main" val="3640784912"/>
+      </p:ext>
+    </p:extLst>
+  </p:cSld>
+  <p:clrMapOvr>
+    <a:masterClrMapping/>
+  </p:clrMapOvr>
+</p:notes>
+</file>
+
+<file path=ppt/notesSlides/notesSlide2.xml><?xml version="1.0" encoding="utf-8"?>
 <p:notes xmlns:a="http://schemas.openxmlformats.org/drawingml/2006/main" xmlns:r="http://schemas.openxmlformats.org/officeDocument/2006/relationships" xmlns:p="http://schemas.openxmlformats.org/presentationml/2006/main">
   <p:cSld>
     <p:spTree>
@@ -11854,7 +11640,7 @@
               <a:rPr lang="es-VE" dirty="0">
                 <a:latin typeface="Calibri" pitchFamily="34" charset="0"/>
               </a:rPr>
-              <a:t>Acepta la H</a:t>
+              <a:t>Retener la H</a:t>
             </a:r>
             <a:r>
               <a:rPr lang="es-VE" baseline="-25000" dirty="0">
